--- a/docs/análisis de datos y Machine LEarning.pptx
+++ b/docs/análisis de datos y Machine LEarning.pptx
@@ -16,6 +16,8 @@
     <p:sldId id="264" r:id="rId36"/>
     <p:sldId id="265" r:id="rId37"/>
     <p:sldId id="266" r:id="rId38"/>
+    <p:sldId id="267" r:id="rId39"/>
+    <p:sldId id="268" r:id="rId40"/>
   </p:sldIdLst>
   <p:sldSz cx="18288000" cy="10287000"/>
   <p:notesSz cx="6858000" cy="9144000"/>
@@ -3666,8 +3668,8 @@
         </p:nvSpPr>
         <p:spPr>
           <a:xfrm rot="0">
-            <a:off x="1393670" y="2700828"/>
-            <a:ext cx="8342068" cy="5307330"/>
+            <a:off x="1393670" y="2691303"/>
+            <a:ext cx="8342068" cy="5316855"/>
           </a:xfrm>
           <a:prstGeom prst="rect">
             <a:avLst/>
@@ -3736,8 +3738,8 @@
         </p:nvSpPr>
         <p:spPr>
           <a:xfrm flipH="false" flipV="false" rot="0">
-            <a:off x="2730521" y="1445710"/>
-            <a:ext cx="12412564" cy="8345062"/>
+            <a:off x="-310236" y="1309824"/>
+            <a:ext cx="18908472" cy="8646271"/>
           </a:xfrm>
           <a:custGeom>
             <a:avLst/>
@@ -3746,18 +3748,18 @@
             <a:cxnLst/>
             <a:rect r="r" b="b" t="t" l="l"/>
             <a:pathLst>
-              <a:path h="8345062" w="12412564">
+              <a:path h="8646271" w="18908472">
                 <a:moveTo>
                   <a:pt x="0" y="0"/>
                 </a:moveTo>
                 <a:lnTo>
-                  <a:pt x="12412564" y="0"/>
-                </a:lnTo>
-                <a:lnTo>
-                  <a:pt x="12412564" y="8345062"/>
-                </a:lnTo>
-                <a:lnTo>
-                  <a:pt x="0" y="8345062"/>
+                  <a:pt x="18908472" y="0"/>
+                </a:lnTo>
+                <a:lnTo>
+                  <a:pt x="18908472" y="8646272"/>
+                </a:lnTo>
+                <a:lnTo>
+                  <a:pt x="0" y="8646272"/>
                 </a:lnTo>
                 <a:lnTo>
                   <a:pt x="0" y="0"/>
@@ -3782,8 +3784,8 @@
         </p:nvSpPr>
         <p:spPr>
           <a:xfrm rot="0">
-            <a:off x="1028700" y="872305"/>
-            <a:ext cx="8300076" cy="573405"/>
+            <a:off x="1028700" y="492702"/>
+            <a:ext cx="6216544" cy="817123"/>
           </a:xfrm>
           <a:prstGeom prst="rect">
             <a:avLst/>
@@ -3795,22 +3797,19 @@
           </a:bodyPr>
           <a:lstStyle/>
           <a:p>
-            <a:pPr algn="l" marL="0" indent="0" lvl="0">
+            <a:pPr algn="ctr">
               <a:lnSpc>
-                <a:spcPts val="4319"/>
+                <a:spcPts val="6664"/>
               </a:lnSpc>
-              <a:spcBef>
-                <a:spcPct val="0"/>
-              </a:spcBef>
             </a:pPr>
             <a:r>
-              <a:rPr lang="en-US" sz="3999">
+              <a:rPr lang="en-US" sz="4760">
                 <a:solidFill>
                   <a:srgbClr val="000000"/>
                 </a:solidFill>
-                <a:latin typeface="Now Bold"/>
+                <a:latin typeface="Open Sans Bold"/>
               </a:rPr>
-              <a:t>Resultados</a:t>
+              <a:t>Keras Deep Learning</a:t>
             </a:r>
           </a:p>
         </p:txBody>
@@ -3849,14 +3848,211 @@
       </p:grpSpPr>
       <p:sp>
         <p:nvSpPr>
+          <p:cNvPr name="Freeform 2" id="2"/>
+          <p:cNvSpPr/>
+          <p:nvPr/>
+        </p:nvSpPr>
+        <p:spPr>
+          <a:xfrm flipH="false" flipV="false" rot="0">
+            <a:off x="2730521" y="1445710"/>
+            <a:ext cx="12412564" cy="8345062"/>
+          </a:xfrm>
+          <a:custGeom>
+            <a:avLst/>
+            <a:gdLst/>
+            <a:ahLst/>
+            <a:cxnLst/>
+            <a:rect r="r" b="b" t="t" l="l"/>
+            <a:pathLst>
+              <a:path h="8345062" w="12412564">
+                <a:moveTo>
+                  <a:pt x="0" y="0"/>
+                </a:moveTo>
+                <a:lnTo>
+                  <a:pt x="12412564" y="0"/>
+                </a:lnTo>
+                <a:lnTo>
+                  <a:pt x="12412564" y="8345062"/>
+                </a:lnTo>
+                <a:lnTo>
+                  <a:pt x="0" y="8345062"/>
+                </a:lnTo>
+                <a:lnTo>
+                  <a:pt x="0" y="0"/>
+                </a:lnTo>
+                <a:close/>
+              </a:path>
+            </a:pathLst>
+          </a:custGeom>
+          <a:blipFill>
+            <a:blip r:embed="rId2"/>
+            <a:stretch>
+              <a:fillRect l="0" t="0" r="0" b="0"/>
+            </a:stretch>
+          </a:blipFill>
+        </p:spPr>
+      </p:sp>
+      <p:sp>
+        <p:nvSpPr>
+          <p:cNvPr name="TextBox 3" id="3"/>
+          <p:cNvSpPr txBox="true"/>
+          <p:nvPr/>
+        </p:nvSpPr>
+        <p:spPr>
+          <a:xfrm rot="0">
+            <a:off x="1028700" y="862780"/>
+            <a:ext cx="8300076" cy="582930"/>
+          </a:xfrm>
+          <a:prstGeom prst="rect">
+            <a:avLst/>
+          </a:prstGeom>
+        </p:spPr>
+        <p:txBody>
+          <a:bodyPr anchor="t" rtlCol="false" tIns="0" lIns="0" bIns="0" rIns="0">
+            <a:spAutoFit/>
+          </a:bodyPr>
+          <a:lstStyle/>
+          <a:p>
+            <a:pPr algn="l" marL="0" indent="0" lvl="0">
+              <a:lnSpc>
+                <a:spcPts val="4319"/>
+              </a:lnSpc>
+              <a:spcBef>
+                <a:spcPct val="0"/>
+              </a:spcBef>
+            </a:pPr>
+            <a:r>
+              <a:rPr lang="en-US" sz="3999">
+                <a:solidFill>
+                  <a:srgbClr val="000000"/>
+                </a:solidFill>
+                <a:latin typeface="Now Bold"/>
+              </a:rPr>
+              <a:t>Resultados</a:t>
+            </a:r>
+          </a:p>
+        </p:txBody>
+      </p:sp>
+    </p:spTree>
+  </p:cSld>
+  <p:clrMapOvr>
+    <a:masterClrMapping/>
+  </p:clrMapOvr>
+</p:sld>
+</file>
+
+<file path=ppt/slides/slide12.xml><?xml version="1.0" encoding="utf-8"?>
+<p:sld xmlns:p="http://schemas.openxmlformats.org/presentationml/2006/main" xmlns:a="http://schemas.openxmlformats.org/drawingml/2006/main" xmlns:r="http://schemas.openxmlformats.org/officeDocument/2006/relationships">
+  <p:cSld>
+    <p:bg>
+      <p:bgPr>
+        <a:solidFill>
+          <a:srgbClr val="00E3B8"/>
+        </a:solidFill>
+      </p:bgPr>
+    </p:bg>
+    <p:spTree>
+      <p:nvGrpSpPr>
+        <p:cNvPr id="1" name=""/>
+        <p:cNvGrpSpPr/>
+        <p:nvPr/>
+      </p:nvGrpSpPr>
+      <p:grpSpPr>
+        <a:xfrm>
+          <a:off x="0" y="0"/>
+          <a:ext cx="0" cy="0"/>
+          <a:chOff x="0" y="0"/>
+          <a:chExt cx="0" cy="0"/>
+        </a:xfrm>
+      </p:grpSpPr>
+      <p:sp>
+        <p:nvSpPr>
+          <p:cNvPr name="Freeform 2" id="2"/>
+          <p:cNvSpPr/>
+          <p:nvPr/>
+        </p:nvSpPr>
+        <p:spPr>
+          <a:xfrm flipH="false" flipV="false" rot="0">
+            <a:off x="1072004" y="186140"/>
+            <a:ext cx="16187296" cy="9914719"/>
+          </a:xfrm>
+          <a:custGeom>
+            <a:avLst/>
+            <a:gdLst/>
+            <a:ahLst/>
+            <a:cxnLst/>
+            <a:rect r="r" b="b" t="t" l="l"/>
+            <a:pathLst>
+              <a:path h="9914719" w="16187296">
+                <a:moveTo>
+                  <a:pt x="0" y="0"/>
+                </a:moveTo>
+                <a:lnTo>
+                  <a:pt x="16187296" y="0"/>
+                </a:lnTo>
+                <a:lnTo>
+                  <a:pt x="16187296" y="9914720"/>
+                </a:lnTo>
+                <a:lnTo>
+                  <a:pt x="0" y="9914720"/>
+                </a:lnTo>
+                <a:lnTo>
+                  <a:pt x="0" y="0"/>
+                </a:lnTo>
+                <a:close/>
+              </a:path>
+            </a:pathLst>
+          </a:custGeom>
+          <a:blipFill>
+            <a:blip r:embed="rId2"/>
+            <a:stretch>
+              <a:fillRect l="0" t="0" r="0" b="0"/>
+            </a:stretch>
+          </a:blipFill>
+        </p:spPr>
+      </p:sp>
+    </p:spTree>
+  </p:cSld>
+  <p:clrMapOvr>
+    <a:masterClrMapping/>
+  </p:clrMapOvr>
+</p:sld>
+</file>
+
+<file path=ppt/slides/slide13.xml><?xml version="1.0" encoding="utf-8"?>
+<p:sld xmlns:p="http://schemas.openxmlformats.org/presentationml/2006/main" xmlns:a="http://schemas.openxmlformats.org/drawingml/2006/main" xmlns:r="http://schemas.openxmlformats.org/officeDocument/2006/relationships">
+  <p:cSld>
+    <p:bg>
+      <p:bgPr>
+        <a:solidFill>
+          <a:srgbClr val="00E3B8"/>
+        </a:solidFill>
+      </p:bgPr>
+    </p:bg>
+    <p:spTree>
+      <p:nvGrpSpPr>
+        <p:cNvPr id="1" name=""/>
+        <p:cNvGrpSpPr/>
+        <p:nvPr/>
+      </p:nvGrpSpPr>
+      <p:grpSpPr>
+        <a:xfrm>
+          <a:off x="0" y="0"/>
+          <a:ext cx="0" cy="0"/>
+          <a:chOff x="0" y="0"/>
+          <a:chExt cx="0" cy="0"/>
+        </a:xfrm>
+      </p:grpSpPr>
+      <p:sp>
+        <p:nvSpPr>
           <p:cNvPr name="TextBox 2" id="2"/>
           <p:cNvSpPr txBox="true"/>
           <p:nvPr/>
         </p:nvSpPr>
         <p:spPr>
           <a:xfrm rot="0">
-            <a:off x="4972966" y="4084551"/>
-            <a:ext cx="8342068" cy="1333500"/>
+            <a:off x="4972966" y="4075026"/>
+            <a:ext cx="8342068" cy="1343025"/>
           </a:xfrm>
           <a:prstGeom prst="rect">
             <a:avLst/>
@@ -4632,8 +4828,8 @@
         </p:nvSpPr>
         <p:spPr>
           <a:xfrm rot="0">
-            <a:off x="10597397" y="2519569"/>
-            <a:ext cx="6661903" cy="565785"/>
+            <a:off x="10597397" y="2510044"/>
+            <a:ext cx="6661903" cy="575310"/>
           </a:xfrm>
           <a:prstGeom prst="rect">
             <a:avLst/>
@@ -5286,8 +5482,8 @@
           </p:nvSpPr>
           <p:spPr>
             <a:xfrm rot="0">
-              <a:off x="804895" y="1197592"/>
-              <a:ext cx="8449472" cy="767080"/>
+              <a:off x="804895" y="1188067"/>
+              <a:ext cx="8449472" cy="776605"/>
             </a:xfrm>
             <a:prstGeom prst="rect">
               <a:avLst/>
@@ -5646,8 +5842,8 @@
           </p:nvSpPr>
           <p:spPr>
             <a:xfrm rot="0">
-              <a:off x="983159" y="1053478"/>
-              <a:ext cx="8214171" cy="777240"/>
+              <a:off x="983159" y="1043953"/>
+              <a:ext cx="8214171" cy="786765"/>
             </a:xfrm>
             <a:prstGeom prst="rect">
               <a:avLst/>
@@ -6298,8 +6494,8 @@
         </p:nvSpPr>
         <p:spPr>
           <a:xfrm rot="0">
-            <a:off x="1491123" y="5626290"/>
-            <a:ext cx="4470092" cy="451485"/>
+            <a:off x="1491123" y="5616765"/>
+            <a:ext cx="4470092" cy="461010"/>
           </a:xfrm>
           <a:prstGeom prst="rect">
             <a:avLst/>
@@ -6336,8 +6532,8 @@
         </p:nvSpPr>
         <p:spPr>
           <a:xfrm rot="0">
-            <a:off x="6908954" y="5626290"/>
-            <a:ext cx="4470092" cy="451485"/>
+            <a:off x="6908954" y="5616765"/>
+            <a:ext cx="4470092" cy="461010"/>
           </a:xfrm>
           <a:prstGeom prst="rect">
             <a:avLst/>
@@ -6377,8 +6573,8 @@
         </p:nvSpPr>
         <p:spPr>
           <a:xfrm rot="0">
-            <a:off x="12378276" y="5626290"/>
-            <a:ext cx="4470092" cy="451485"/>
+            <a:off x="12378276" y="5616765"/>
+            <a:ext cx="4470092" cy="461010"/>
           </a:xfrm>
           <a:prstGeom prst="rect">
             <a:avLst/>
@@ -6418,8 +6614,8 @@
         </p:nvSpPr>
         <p:spPr>
           <a:xfrm rot="0">
-            <a:off x="1028700" y="1534262"/>
-            <a:ext cx="13160623" cy="565785"/>
+            <a:off x="1028700" y="1524737"/>
+            <a:ext cx="13160623" cy="575310"/>
           </a:xfrm>
           <a:prstGeom prst="rect">
             <a:avLst/>
@@ -6765,8 +6961,8 @@
         </p:nvSpPr>
         <p:spPr>
           <a:xfrm flipH="false" flipV="false" rot="0">
-            <a:off x="15821149" y="-560761"/>
-            <a:ext cx="3376834" cy="2578674"/>
+            <a:off x="4567489" y="94948"/>
+            <a:ext cx="8815481" cy="10097103"/>
           </a:xfrm>
           <a:custGeom>
             <a:avLst/>
@@ -6775,18 +6971,18 @@
             <a:cxnLst/>
             <a:rect r="r" b="b" t="t" l="l"/>
             <a:pathLst>
-              <a:path h="2578674" w="3376834">
+              <a:path h="10097103" w="8815481">
                 <a:moveTo>
                   <a:pt x="0" y="0"/>
                 </a:moveTo>
                 <a:lnTo>
-                  <a:pt x="3376834" y="0"/>
-                </a:lnTo>
-                <a:lnTo>
-                  <a:pt x="3376834" y="2578673"/>
-                </a:lnTo>
-                <a:lnTo>
-                  <a:pt x="0" y="2578673"/>
+                  <a:pt x="8815481" y="0"/>
+                </a:lnTo>
+                <a:lnTo>
+                  <a:pt x="8815481" y="10097104"/>
+                </a:lnTo>
+                <a:lnTo>
+                  <a:pt x="0" y="10097104"/>
                 </a:lnTo>
                 <a:lnTo>
                   <a:pt x="0" y="0"/>
@@ -6796,105 +6992,12 @@
             </a:pathLst>
           </a:custGeom>
           <a:blipFill>
-            <a:blip r:embed="rId2">
-              <a:extLst>
-                <a:ext uri="{96DAC541-7B7A-43D3-8B79-37D633B846F1}">
-                  <asvg:svgBlip xmlns:asvg="http://schemas.microsoft.com/office/drawing/2016/SVG/main" r:embed="rId3"/>
-                </a:ext>
-              </a:extLst>
-            </a:blip>
+            <a:blip r:embed="rId2"/>
             <a:stretch>
               <a:fillRect l="0" t="0" r="0" b="0"/>
             </a:stretch>
           </a:blipFill>
         </p:spPr>
-      </p:sp>
-      <p:sp>
-        <p:nvSpPr>
-          <p:cNvPr name="Freeform 3" id="3"/>
-          <p:cNvSpPr/>
-          <p:nvPr/>
-        </p:nvSpPr>
-        <p:spPr>
-          <a:xfrm flipH="false" flipV="false" rot="0">
-            <a:off x="550895" y="1334452"/>
-            <a:ext cx="16958672" cy="8619325"/>
-          </a:xfrm>
-          <a:custGeom>
-            <a:avLst/>
-            <a:gdLst/>
-            <a:ahLst/>
-            <a:cxnLst/>
-            <a:rect r="r" b="b" t="t" l="l"/>
-            <a:pathLst>
-              <a:path h="8619325" w="16958672">
-                <a:moveTo>
-                  <a:pt x="0" y="0"/>
-                </a:moveTo>
-                <a:lnTo>
-                  <a:pt x="16958671" y="0"/>
-                </a:lnTo>
-                <a:lnTo>
-                  <a:pt x="16958671" y="8619325"/>
-                </a:lnTo>
-                <a:lnTo>
-                  <a:pt x="0" y="8619325"/>
-                </a:lnTo>
-                <a:lnTo>
-                  <a:pt x="0" y="0"/>
-                </a:lnTo>
-                <a:close/>
-              </a:path>
-            </a:pathLst>
-          </a:custGeom>
-          <a:blipFill>
-            <a:blip r:embed="rId4"/>
-            <a:stretch>
-              <a:fillRect l="0" t="0" r="0" b="0"/>
-            </a:stretch>
-          </a:blipFill>
-        </p:spPr>
-      </p:sp>
-      <p:sp>
-        <p:nvSpPr>
-          <p:cNvPr name="TextBox 4" id="4"/>
-          <p:cNvSpPr txBox="true"/>
-          <p:nvPr/>
-        </p:nvSpPr>
-        <p:spPr>
-          <a:xfrm rot="0">
-            <a:off x="1610795" y="761048"/>
-            <a:ext cx="8681893" cy="573405"/>
-          </a:xfrm>
-          <a:prstGeom prst="rect">
-            <a:avLst/>
-          </a:prstGeom>
-        </p:spPr>
-        <p:txBody>
-          <a:bodyPr anchor="t" rtlCol="false" tIns="0" lIns="0" bIns="0" rIns="0">
-            <a:spAutoFit/>
-          </a:bodyPr>
-          <a:lstStyle/>
-          <a:p>
-            <a:pPr algn="l" marL="0" indent="0" lvl="0">
-              <a:lnSpc>
-                <a:spcPts val="4319"/>
-              </a:lnSpc>
-              <a:spcBef>
-                <a:spcPct val="0"/>
-              </a:spcBef>
-            </a:pPr>
-            <a:r>
-              <a:rPr lang="en-US" sz="3999">
-                <a:solidFill>
-                  <a:srgbClr val="000000"/>
-                </a:solidFill>
-                <a:latin typeface="Now Bold"/>
-              </a:rPr>
-              <a:t>Grid Search</a:t>
-            </a:r>
-          </a:p>
-        </p:txBody>
       </p:sp>
     </p:spTree>
   </p:cSld>
@@ -6936,8 +7039,8 @@
         </p:nvSpPr>
         <p:spPr>
           <a:xfrm flipH="false" flipV="false" rot="0">
-            <a:off x="0" y="1028700"/>
-            <a:ext cx="17130691" cy="8540079"/>
+            <a:off x="15821149" y="-560761"/>
+            <a:ext cx="3376834" cy="2578674"/>
           </a:xfrm>
           <a:custGeom>
             <a:avLst/>
@@ -6946,18 +7049,18 @@
             <a:cxnLst/>
             <a:rect r="r" b="b" t="t" l="l"/>
             <a:pathLst>
-              <a:path h="8540079" w="17130691">
+              <a:path h="2578674" w="3376834">
                 <a:moveTo>
                   <a:pt x="0" y="0"/>
                 </a:moveTo>
                 <a:lnTo>
-                  <a:pt x="17130691" y="0"/>
-                </a:lnTo>
-                <a:lnTo>
-                  <a:pt x="17130691" y="8540079"/>
-                </a:lnTo>
-                <a:lnTo>
-                  <a:pt x="0" y="8540079"/>
+                  <a:pt x="3376834" y="0"/>
+                </a:lnTo>
+                <a:lnTo>
+                  <a:pt x="3376834" y="2578673"/>
+                </a:lnTo>
+                <a:lnTo>
+                  <a:pt x="0" y="2578673"/>
                 </a:lnTo>
                 <a:lnTo>
                   <a:pt x="0" y="0"/>
@@ -6967,12 +7070,105 @@
             </a:pathLst>
           </a:custGeom>
           <a:blipFill>
-            <a:blip r:embed="rId2"/>
+            <a:blip r:embed="rId2">
+              <a:extLst>
+                <a:ext uri="{96DAC541-7B7A-43D3-8B79-37D633B846F1}">
+                  <asvg:svgBlip xmlns:asvg="http://schemas.microsoft.com/office/drawing/2016/SVG/main" r:embed="rId3"/>
+                </a:ext>
+              </a:extLst>
+            </a:blip>
             <a:stretch>
               <a:fillRect l="0" t="0" r="0" b="0"/>
             </a:stretch>
           </a:blipFill>
         </p:spPr>
+      </p:sp>
+      <p:sp>
+        <p:nvSpPr>
+          <p:cNvPr name="Freeform 3" id="3"/>
+          <p:cNvSpPr/>
+          <p:nvPr/>
+        </p:nvSpPr>
+        <p:spPr>
+          <a:xfrm flipH="false" flipV="false" rot="0">
+            <a:off x="550895" y="1334452"/>
+            <a:ext cx="16958672" cy="8619325"/>
+          </a:xfrm>
+          <a:custGeom>
+            <a:avLst/>
+            <a:gdLst/>
+            <a:ahLst/>
+            <a:cxnLst/>
+            <a:rect r="r" b="b" t="t" l="l"/>
+            <a:pathLst>
+              <a:path h="8619325" w="16958672">
+                <a:moveTo>
+                  <a:pt x="0" y="0"/>
+                </a:moveTo>
+                <a:lnTo>
+                  <a:pt x="16958671" y="0"/>
+                </a:lnTo>
+                <a:lnTo>
+                  <a:pt x="16958671" y="8619325"/>
+                </a:lnTo>
+                <a:lnTo>
+                  <a:pt x="0" y="8619325"/>
+                </a:lnTo>
+                <a:lnTo>
+                  <a:pt x="0" y="0"/>
+                </a:lnTo>
+                <a:close/>
+              </a:path>
+            </a:pathLst>
+          </a:custGeom>
+          <a:blipFill>
+            <a:blip r:embed="rId4"/>
+            <a:stretch>
+              <a:fillRect l="0" t="0" r="0" b="0"/>
+            </a:stretch>
+          </a:blipFill>
+        </p:spPr>
+      </p:sp>
+      <p:sp>
+        <p:nvSpPr>
+          <p:cNvPr name="TextBox 4" id="4"/>
+          <p:cNvSpPr txBox="true"/>
+          <p:nvPr/>
+        </p:nvSpPr>
+        <p:spPr>
+          <a:xfrm rot="0">
+            <a:off x="1610795" y="751523"/>
+            <a:ext cx="8681893" cy="582930"/>
+          </a:xfrm>
+          <a:prstGeom prst="rect">
+            <a:avLst/>
+          </a:prstGeom>
+        </p:spPr>
+        <p:txBody>
+          <a:bodyPr anchor="t" rtlCol="false" tIns="0" lIns="0" bIns="0" rIns="0">
+            <a:spAutoFit/>
+          </a:bodyPr>
+          <a:lstStyle/>
+          <a:p>
+            <a:pPr algn="l" marL="0" indent="0" lvl="0">
+              <a:lnSpc>
+                <a:spcPts val="4319"/>
+              </a:lnSpc>
+              <a:spcBef>
+                <a:spcPct val="0"/>
+              </a:spcBef>
+            </a:pPr>
+            <a:r>
+              <a:rPr lang="en-US" sz="3999">
+                <a:solidFill>
+                  <a:srgbClr val="000000"/>
+                </a:solidFill>
+                <a:latin typeface="Now Bold"/>
+              </a:rPr>
+              <a:t>Grid Search</a:t>
+            </a:r>
+          </a:p>
+        </p:txBody>
       </p:sp>
     </p:spTree>
   </p:cSld>
@@ -7014,8 +7210,8 @@
         </p:nvSpPr>
         <p:spPr>
           <a:xfrm flipH="false" flipV="false" rot="0">
-            <a:off x="-310236" y="1309824"/>
-            <a:ext cx="18908472" cy="8646271"/>
+            <a:off x="0" y="1028700"/>
+            <a:ext cx="17130691" cy="8540079"/>
           </a:xfrm>
           <a:custGeom>
             <a:avLst/>
@@ -7024,18 +7220,18 @@
             <a:cxnLst/>
             <a:rect r="r" b="b" t="t" l="l"/>
             <a:pathLst>
-              <a:path h="8646271" w="18908472">
+              <a:path h="8540079" w="17130691">
                 <a:moveTo>
                   <a:pt x="0" y="0"/>
                 </a:moveTo>
                 <a:lnTo>
-                  <a:pt x="18908472" y="0"/>
-                </a:lnTo>
-                <a:lnTo>
-                  <a:pt x="18908472" y="8646272"/>
-                </a:lnTo>
-                <a:lnTo>
-                  <a:pt x="0" y="8646272"/>
+                  <a:pt x="17130691" y="0"/>
+                </a:lnTo>
+                <a:lnTo>
+                  <a:pt x="17130691" y="8540079"/>
+                </a:lnTo>
+                <a:lnTo>
+                  <a:pt x="0" y="8540079"/>
                 </a:lnTo>
                 <a:lnTo>
                   <a:pt x="0" y="0"/>
@@ -7051,44 +7247,6 @@
             </a:stretch>
           </a:blipFill>
         </p:spPr>
-      </p:sp>
-      <p:sp>
-        <p:nvSpPr>
-          <p:cNvPr name="TextBox 3" id="3"/>
-          <p:cNvSpPr txBox="true"/>
-          <p:nvPr/>
-        </p:nvSpPr>
-        <p:spPr>
-          <a:xfrm rot="0">
-            <a:off x="1028700" y="492702"/>
-            <a:ext cx="6216544" cy="817123"/>
-          </a:xfrm>
-          <a:prstGeom prst="rect">
-            <a:avLst/>
-          </a:prstGeom>
-        </p:spPr>
-        <p:txBody>
-          <a:bodyPr anchor="t" rtlCol="false" tIns="0" lIns="0" bIns="0" rIns="0">
-            <a:spAutoFit/>
-          </a:bodyPr>
-          <a:lstStyle/>
-          <a:p>
-            <a:pPr algn="ctr">
-              <a:lnSpc>
-                <a:spcPts val="6664"/>
-              </a:lnSpc>
-            </a:pPr>
-            <a:r>
-              <a:rPr lang="en-US" sz="4760">
-                <a:solidFill>
-                  <a:srgbClr val="000000"/>
-                </a:solidFill>
-                <a:latin typeface="Open Sans Bold"/>
-              </a:rPr>
-              <a:t>Keras Deep Learning</a:t>
-            </a:r>
-          </a:p>
-        </p:txBody>
       </p:sp>
     </p:spTree>
   </p:cSld>
